--- a/алгоритм.pptx
+++ b/алгоритм.pptx
@@ -4170,7 +4170,7 @@
           <a:lstStyle/>
           <a:p>
             <a:r>
-              <a:rPr lang="ru-RU" dirty="0"/>
+              <a:rPr lang="ru-RU" b="1" dirty="0"/>
               <a:t>Организация</a:t>
             </a:r>
           </a:p>
@@ -4307,7 +4307,7 @@
           <a:lstStyle/>
           <a:p>
             <a:r>
-              <a:rPr lang="ru-RU" dirty="0"/>
+              <a:rPr lang="ru-RU" b="1" dirty="0"/>
               <a:t>Техника безопасности</a:t>
             </a:r>
           </a:p>
@@ -4400,14 +4400,14 @@
           <a:lstStyle/>
           <a:p>
             <a:r>
-              <a:rPr lang="ru-RU" dirty="0"/>
+              <a:rPr lang="ru-RU" b="1" dirty="0"/>
               <a:t>Что было сделано</a:t>
             </a:r>
             <a:r>
-              <a:rPr lang="en-US" dirty="0"/>
+              <a:rPr lang="en-US" b="1" dirty="0"/>
               <a:t>?</a:t>
             </a:r>
-            <a:endParaRPr lang="ru-RU" dirty="0"/>
+            <a:endParaRPr lang="ru-RU" b="1" dirty="0"/>
           </a:p>
         </p:txBody>
       </p:sp>
@@ -4442,7 +4442,7 @@
             </a:r>
             <a:r>
               <a:rPr lang="ru-RU" dirty="0"/>
-              <a:t> Разработана конфигурация 1С </a:t>
+              <a:t> Разработаны конфигурации 1С </a:t>
             </a:r>
           </a:p>
           <a:p>
@@ -4531,10 +4531,10 @@
               <a:t>Конфигурация </a:t>
             </a:r>
             <a:r>
-              <a:rPr lang="en-US" dirty="0"/>
+              <a:rPr lang="en-US" b="1" dirty="0"/>
               <a:t>#1</a:t>
             </a:r>
-            <a:endParaRPr lang="ru-RU" dirty="0"/>
+            <a:endParaRPr lang="ru-RU" b="1" dirty="0"/>
           </a:p>
         </p:txBody>
       </p:sp>
@@ -4624,9 +4624,13 @@
             </a:r>
             <a:r>
               <a:rPr lang="en-US" dirty="0"/>
-              <a:t> #1</a:t>
-            </a:r>
-            <a:endParaRPr lang="ru-RU" dirty="0"/>
+              <a:t> </a:t>
+            </a:r>
+            <a:r>
+              <a:rPr lang="en-US" b="1" dirty="0"/>
+              <a:t>#1</a:t>
+            </a:r>
+            <a:endParaRPr lang="ru-RU" b="1" dirty="0"/>
           </a:p>
         </p:txBody>
       </p:sp>
@@ -4715,10 +4719,10 @@
               <a:t>Конфигурация </a:t>
             </a:r>
             <a:r>
-              <a:rPr lang="en-US" dirty="0"/>
+              <a:rPr lang="en-US" b="1" dirty="0"/>
               <a:t>#1</a:t>
             </a:r>
-            <a:endParaRPr lang="ru-RU" dirty="0"/>
+            <a:endParaRPr lang="ru-RU" b="1" dirty="0"/>
           </a:p>
         </p:txBody>
       </p:sp>
@@ -4808,9 +4812,13 @@
             </a:r>
             <a:r>
               <a:rPr lang="en-US" dirty="0"/>
-              <a:t> #1</a:t>
-            </a:r>
-            <a:endParaRPr lang="ru-RU" dirty="0"/>
+              <a:t> </a:t>
+            </a:r>
+            <a:r>
+              <a:rPr lang="en-US" b="1" dirty="0"/>
+              <a:t>#1</a:t>
+            </a:r>
+            <a:endParaRPr lang="ru-RU" b="1" dirty="0"/>
           </a:p>
         </p:txBody>
       </p:sp>
@@ -4900,9 +4908,13 @@
             </a:r>
             <a:r>
               <a:rPr lang="en-US" dirty="0"/>
-              <a:t> #2</a:t>
-            </a:r>
-            <a:endParaRPr lang="ru-RU" dirty="0"/>
+              <a:t> </a:t>
+            </a:r>
+            <a:r>
+              <a:rPr lang="en-US" b="1" dirty="0"/>
+              <a:t>#2</a:t>
+            </a:r>
+            <a:endParaRPr lang="ru-RU" b="1" dirty="0"/>
           </a:p>
         </p:txBody>
       </p:sp>
